--- a/logo.pptx
+++ b/logo.pptx
@@ -105,6 +105,11 @@
       </a:defRPr>
     </a:lvl9pPr>
   </p:defaultTextStyle>
+  <p:extLst>
+    <p:ext uri="{EFAFB233-063F-42B5-8137-9DF3F51BA10A}">
+      <p15:sldGuideLst xmlns:p15="http://schemas.microsoft.com/office/powerpoint/2012/main"/>
+    </p:ext>
+  </p:extLst>
 </p:presentation>
 </file>
 
@@ -255,7 +260,7 @@
           <a:p>
             <a:fld id="{529B6287-113F-4A8E-BCFC-760894869514}" type="datetimeFigureOut">
               <a:rPr lang="es-ES" smtClean="0"/>
-              <a:t>05/07/2020</a:t>
+              <a:t>07/07/2020</a:t>
             </a:fld>
             <a:endParaRPr lang="es-ES"/>
           </a:p>
@@ -453,7 +458,7 @@
           <a:p>
             <a:fld id="{529B6287-113F-4A8E-BCFC-760894869514}" type="datetimeFigureOut">
               <a:rPr lang="es-ES" smtClean="0"/>
-              <a:t>05/07/2020</a:t>
+              <a:t>07/07/2020</a:t>
             </a:fld>
             <a:endParaRPr lang="es-ES"/>
           </a:p>
@@ -661,7 +666,7 @@
           <a:p>
             <a:fld id="{529B6287-113F-4A8E-BCFC-760894869514}" type="datetimeFigureOut">
               <a:rPr lang="es-ES" smtClean="0"/>
-              <a:t>05/07/2020</a:t>
+              <a:t>07/07/2020</a:t>
             </a:fld>
             <a:endParaRPr lang="es-ES"/>
           </a:p>
@@ -859,7 +864,7 @@
           <a:p>
             <a:fld id="{529B6287-113F-4A8E-BCFC-760894869514}" type="datetimeFigureOut">
               <a:rPr lang="es-ES" smtClean="0"/>
-              <a:t>05/07/2020</a:t>
+              <a:t>07/07/2020</a:t>
             </a:fld>
             <a:endParaRPr lang="es-ES"/>
           </a:p>
@@ -1134,7 +1139,7 @@
           <a:p>
             <a:fld id="{529B6287-113F-4A8E-BCFC-760894869514}" type="datetimeFigureOut">
               <a:rPr lang="es-ES" smtClean="0"/>
-              <a:t>05/07/2020</a:t>
+              <a:t>07/07/2020</a:t>
             </a:fld>
             <a:endParaRPr lang="es-ES"/>
           </a:p>
@@ -1399,7 +1404,7 @@
           <a:p>
             <a:fld id="{529B6287-113F-4A8E-BCFC-760894869514}" type="datetimeFigureOut">
               <a:rPr lang="es-ES" smtClean="0"/>
-              <a:t>05/07/2020</a:t>
+              <a:t>07/07/2020</a:t>
             </a:fld>
             <a:endParaRPr lang="es-ES"/>
           </a:p>
@@ -1811,7 +1816,7 @@
           <a:p>
             <a:fld id="{529B6287-113F-4A8E-BCFC-760894869514}" type="datetimeFigureOut">
               <a:rPr lang="es-ES" smtClean="0"/>
-              <a:t>05/07/2020</a:t>
+              <a:t>07/07/2020</a:t>
             </a:fld>
             <a:endParaRPr lang="es-ES"/>
           </a:p>
@@ -1952,7 +1957,7 @@
           <a:p>
             <a:fld id="{529B6287-113F-4A8E-BCFC-760894869514}" type="datetimeFigureOut">
               <a:rPr lang="es-ES" smtClean="0"/>
-              <a:t>05/07/2020</a:t>
+              <a:t>07/07/2020</a:t>
             </a:fld>
             <a:endParaRPr lang="es-ES"/>
           </a:p>
@@ -2065,7 +2070,7 @@
           <a:p>
             <a:fld id="{529B6287-113F-4A8E-BCFC-760894869514}" type="datetimeFigureOut">
               <a:rPr lang="es-ES" smtClean="0"/>
-              <a:t>05/07/2020</a:t>
+              <a:t>07/07/2020</a:t>
             </a:fld>
             <a:endParaRPr lang="es-ES"/>
           </a:p>
@@ -2376,7 +2381,7 @@
           <a:p>
             <a:fld id="{529B6287-113F-4A8E-BCFC-760894869514}" type="datetimeFigureOut">
               <a:rPr lang="es-ES" smtClean="0"/>
-              <a:t>05/07/2020</a:t>
+              <a:t>07/07/2020</a:t>
             </a:fld>
             <a:endParaRPr lang="es-ES"/>
           </a:p>
@@ -2664,7 +2669,7 @@
           <a:p>
             <a:fld id="{529B6287-113F-4A8E-BCFC-760894869514}" type="datetimeFigureOut">
               <a:rPr lang="es-ES" smtClean="0"/>
-              <a:t>05/07/2020</a:t>
+              <a:t>07/07/2020</a:t>
             </a:fld>
             <a:endParaRPr lang="es-ES"/>
           </a:p>
@@ -2905,7 +2910,7 @@
           <a:p>
             <a:fld id="{529B6287-113F-4A8E-BCFC-760894869514}" type="datetimeFigureOut">
               <a:rPr lang="es-ES" smtClean="0"/>
-              <a:t>05/07/2020</a:t>
+              <a:t>07/07/2020</a:t>
             </a:fld>
             <a:endParaRPr lang="es-ES"/>
           </a:p>
@@ -3893,7 +3898,7 @@
         </p:nvSpPr>
         <p:spPr>
           <a:xfrm>
-            <a:off x="7787928" y="1191704"/>
+            <a:off x="9935191" y="660632"/>
             <a:ext cx="1412265" cy="3170099"/>
           </a:xfrm>
           <a:prstGeom prst="rect">
@@ -4069,7 +4074,7 @@
         </p:nvSpPr>
         <p:spPr>
           <a:xfrm>
-            <a:off x="3904755" y="2148538"/>
+            <a:off x="8370315" y="660632"/>
             <a:ext cx="1401000" cy="3170099"/>
           </a:xfrm>
           <a:prstGeom prst="rect">
@@ -4170,7 +4175,7 @@
         </p:nvSpPr>
         <p:spPr>
           <a:xfrm>
-            <a:off x="3624706" y="1789900"/>
+            <a:off x="3537896" y="1675600"/>
             <a:ext cx="1065319" cy="3170099"/>
           </a:xfrm>
           <a:prstGeom prst="rect">
@@ -4191,61 +4196,71 @@
             </a:pPr>
             <a:r>
               <a:rPr lang="es-ES" sz="20000" b="1" dirty="0">
-                <a:ln w="12700" cmpd="sng">
+                <a:ln w="25400" cmpd="sng">
                   <a:solidFill>
-                    <a:schemeClr val="accent4"/>
+                    <a:schemeClr val="accent4">
+                      <a:lumMod val="75000"/>
+                    </a:schemeClr>
                   </a:solidFill>
                   <a:prstDash val="solid"/>
                 </a:ln>
-                <a:gradFill>
+                <a:gradFill flip="none" rotWithShape="1">
                   <a:gsLst>
                     <a:gs pos="0">
-                      <a:schemeClr val="accent4"/>
+                      <a:schemeClr val="accent4">
+                        <a:lumMod val="67000"/>
+                      </a:schemeClr>
                     </a:gs>
-                    <a:gs pos="4000">
+                    <a:gs pos="48000">
+                      <a:schemeClr val="accent4">
+                        <a:lumMod val="97000"/>
+                        <a:lumOff val="3000"/>
+                      </a:schemeClr>
+                    </a:gs>
+                    <a:gs pos="100000">
                       <a:schemeClr val="accent4">
                         <a:lumMod val="60000"/>
                         <a:lumOff val="40000"/>
                       </a:schemeClr>
                     </a:gs>
-                    <a:gs pos="87000">
-                      <a:schemeClr val="accent4">
-                        <a:lumMod val="20000"/>
-                        <a:lumOff val="80000"/>
-                      </a:schemeClr>
-                    </a:gs>
                   </a:gsLst>
-                  <a:lin ang="5400000"/>
+                  <a:lin ang="16200000" scaled="1"/>
+                  <a:tileRect/>
                 </a:gradFill>
               </a:rPr>
               <a:t>S</a:t>
             </a:r>
             <a:endParaRPr lang="es-ES" sz="20000" b="1" cap="none" spc="0" dirty="0">
-              <a:ln w="12700" cmpd="sng">
+              <a:ln w="25400" cmpd="sng">
                 <a:solidFill>
-                  <a:schemeClr val="accent4"/>
+                  <a:schemeClr val="accent4">
+                    <a:lumMod val="75000"/>
+                  </a:schemeClr>
                 </a:solidFill>
                 <a:prstDash val="solid"/>
               </a:ln>
-              <a:gradFill>
+              <a:gradFill flip="none" rotWithShape="1">
                 <a:gsLst>
                   <a:gs pos="0">
-                    <a:schemeClr val="accent4"/>
+                    <a:schemeClr val="accent4">
+                      <a:lumMod val="67000"/>
+                    </a:schemeClr>
                   </a:gs>
-                  <a:gs pos="4000">
+                  <a:gs pos="48000">
+                    <a:schemeClr val="accent4">
+                      <a:lumMod val="97000"/>
+                      <a:lumOff val="3000"/>
+                    </a:schemeClr>
+                  </a:gs>
+                  <a:gs pos="100000">
                     <a:schemeClr val="accent4">
                       <a:lumMod val="60000"/>
                       <a:lumOff val="40000"/>
                     </a:schemeClr>
                   </a:gs>
-                  <a:gs pos="87000">
-                    <a:schemeClr val="accent4">
-                      <a:lumMod val="20000"/>
-                      <a:lumOff val="80000"/>
-                    </a:schemeClr>
-                  </a:gs>
                 </a:gsLst>
-                <a:lin ang="5400000"/>
+                <a:lin ang="16200000" scaled="1"/>
+                <a:tileRect/>
               </a:gradFill>
               <a:effectLst/>
             </a:endParaRPr>
@@ -4332,6 +4347,116 @@
           <a:p>
             <a:pPr algn="ctr"/>
             <a:endParaRPr lang="es-ES" dirty="0"/>
+          </a:p>
+        </p:txBody>
+      </p:sp>
+      <p:sp>
+        <p:nvSpPr>
+          <p:cNvPr id="2" name="Rectángulo 1">
+            <a:extLst>
+              <a:ext uri="{FF2B5EF4-FFF2-40B4-BE49-F238E27FC236}">
+                <a16:creationId xmlns:a16="http://schemas.microsoft.com/office/drawing/2014/main" id="{5026AF93-F984-40CD-9586-5BD6FDDD923A}"/>
+              </a:ext>
+            </a:extLst>
+          </p:cNvPr>
+          <p:cNvSpPr/>
+          <p:nvPr/>
+        </p:nvSpPr>
+        <p:spPr>
+          <a:xfrm>
+            <a:off x="4091813" y="2183101"/>
+            <a:ext cx="1065319" cy="3170099"/>
+          </a:xfrm>
+          <a:prstGeom prst="rect">
+            <a:avLst/>
+          </a:prstGeom>
+          <a:noFill/>
+        </p:spPr>
+        <p:txBody>
+          <a:bodyPr wrap="square" lIns="91440" tIns="45720" rIns="91440" bIns="45720">
+            <a:spAutoFit/>
+          </a:bodyPr>
+          <a:lstStyle/>
+          <a:p>
+            <a:pPr algn="ctr">
+              <a:spcAft>
+                <a:spcPts val="600"/>
+              </a:spcAft>
+            </a:pPr>
+            <a:r>
+              <a:rPr lang="es-ES" sz="20000" b="1" dirty="0">
+                <a:ln w="25400" cmpd="sng">
+                  <a:solidFill>
+                    <a:schemeClr val="accent4">
+                      <a:lumMod val="75000"/>
+                    </a:schemeClr>
+                  </a:solidFill>
+                  <a:prstDash val="solid"/>
+                </a:ln>
+                <a:gradFill flip="none" rotWithShape="1">
+                  <a:gsLst>
+                    <a:gs pos="0">
+                      <a:schemeClr val="accent4">
+                        <a:lumMod val="40000"/>
+                        <a:lumOff val="60000"/>
+                      </a:schemeClr>
+                    </a:gs>
+                    <a:gs pos="46000">
+                      <a:schemeClr val="accent4">
+                        <a:lumMod val="95000"/>
+                        <a:lumOff val="5000"/>
+                      </a:schemeClr>
+                    </a:gs>
+                    <a:gs pos="100000">
+                      <a:schemeClr val="accent4">
+                        <a:lumMod val="60000"/>
+                      </a:schemeClr>
+                    </a:gs>
+                  </a:gsLst>
+                  <a:path path="circle">
+                    <a:fillToRect l="50000" t="130000" r="50000" b="-30000"/>
+                  </a:path>
+                  <a:tileRect/>
+                </a:gradFill>
+              </a:rPr>
+              <a:t>S</a:t>
+            </a:r>
+            <a:endParaRPr lang="es-ES" sz="20000" b="1" cap="none" spc="0" dirty="0">
+              <a:ln w="25400" cmpd="sng">
+                <a:solidFill>
+                  <a:schemeClr val="accent4">
+                    <a:lumMod val="75000"/>
+                  </a:schemeClr>
+                </a:solidFill>
+                <a:prstDash val="solid"/>
+              </a:ln>
+              <a:gradFill flip="none" rotWithShape="1">
+                <a:gsLst>
+                  <a:gs pos="0">
+                    <a:schemeClr val="accent4">
+                      <a:lumMod val="40000"/>
+                      <a:lumOff val="60000"/>
+                    </a:schemeClr>
+                  </a:gs>
+                  <a:gs pos="46000">
+                    <a:schemeClr val="accent4">
+                      <a:lumMod val="95000"/>
+                      <a:lumOff val="5000"/>
+                    </a:schemeClr>
+                  </a:gs>
+                  <a:gs pos="100000">
+                    <a:schemeClr val="accent4">
+                      <a:lumMod val="60000"/>
+                    </a:schemeClr>
+                  </a:gs>
+                </a:gsLst>
+                <a:path path="circle">
+                  <a:fillToRect l="50000" t="130000" r="50000" b="-30000"/>
+                </a:path>
+                <a:tileRect/>
+              </a:gradFill>
+              <a:effectLst/>
+            </a:endParaRPr>
           </a:p>
         </p:txBody>
       </p:sp>
